--- a/Dokumentation/Projektstand_2024.pptx
+++ b/Dokumentation/Projektstand_2024.pptx
@@ -108,6 +108,11 @@
       </a:defRPr>
     </a:lvl9pPr>
   </p:defaultTextStyle>
+  <p:extLst>
+    <p:ext uri="{EFAFB233-063F-42B5-8137-9DF3F51BA10A}">
+      <p15:sldGuideLst xmlns:p15="http://schemas.microsoft.com/office/powerpoint/2012/main"/>
+    </p:ext>
+  </p:extLst>
 </p:presentation>
 </file>
 
@@ -3982,6 +3987,14 @@
 <file path=ppt/slides/slide3.xml><?xml version="1.0" encoding="utf-8"?>
 <p:sld xmlns:a="http://schemas.openxmlformats.org/drawingml/2006/main" xmlns:r="http://schemas.openxmlformats.org/officeDocument/2006/relationships" xmlns:p="http://schemas.openxmlformats.org/presentationml/2006/main">
   <p:cSld>
+    <p:bg>
+      <p:bgPr>
+        <a:solidFill>
+          <a:schemeClr val="bg2"/>
+        </a:solidFill>
+        <a:effectLst/>
+      </p:bgPr>
+    </p:bg>
     <p:spTree>
       <p:nvGrpSpPr>
         <p:cNvPr id="1" name=""/>
@@ -3996,6 +4009,66 @@
           <a:chExt cx="0" cy="0"/>
         </a:xfrm>
       </p:grpSpPr>
+      <p:sp useBgFill="1">
+        <p:nvSpPr>
+          <p:cNvPr id="1031" name="Rectangle 1030">
+            <a:extLst>
+              <a:ext uri="{FF2B5EF4-FFF2-40B4-BE49-F238E27FC236}">
+                <a16:creationId xmlns:a16="http://schemas.microsoft.com/office/drawing/2014/main" id="{1D868099-6145-4BC0-A5EA-74BEF1776BA9}"/>
+              </a:ext>
+              <a:ext uri="{C183D7F6-B498-43B3-948B-1728B52AA6E4}">
+                <adec:decorative xmlns:adec="http://schemas.microsoft.com/office/drawing/2017/decorative" val="1"/>
+              </a:ext>
+            </a:extLst>
+          </p:cNvPr>
+          <p:cNvSpPr>
+            <a:spLocks noGrp="1" noRot="1" noChangeAspect="1" noMove="1" noResize="1" noEditPoints="1" noAdjustHandles="1" noChangeArrowheads="1" noChangeShapeType="1" noTextEdit="1"/>
+          </p:cNvSpPr>
+          <p:nvPr>
+            <p:extLst>
+              <p:ext uri="{386F3935-93C4-4BCD-93E2-E3B085C9AB24}">
+                <p16:designElem xmlns:p16="http://schemas.microsoft.com/office/powerpoint/2015/main" val="1"/>
+              </p:ext>
+            </p:extLst>
+          </p:nvPr>
+        </p:nvSpPr>
+        <p:spPr>
+          <a:xfrm>
+            <a:off x="0" y="0"/>
+            <a:ext cx="12192000" cy="6858000"/>
+          </a:xfrm>
+          <a:prstGeom prst="rect">
+            <a:avLst/>
+          </a:prstGeom>
+          <a:ln>
+            <a:noFill/>
+          </a:ln>
+        </p:spPr>
+        <p:style>
+          <a:lnRef idx="2">
+            <a:schemeClr val="accent1">
+              <a:shade val="50000"/>
+            </a:schemeClr>
+          </a:lnRef>
+          <a:fillRef idx="1">
+            <a:schemeClr val="accent1"/>
+          </a:fillRef>
+          <a:effectRef idx="0">
+            <a:schemeClr val="accent1"/>
+          </a:effectRef>
+          <a:fontRef idx="minor">
+            <a:schemeClr val="lt1"/>
+          </a:fontRef>
+        </p:style>
+        <p:txBody>
+          <a:bodyPr rtlCol="0" anchor="ctr"/>
+          <a:lstStyle/>
+          <a:p>
+            <a:pPr algn="ctr"/>
+            <a:endParaRPr lang="en-US"/>
+          </a:p>
+        </p:txBody>
+      </p:sp>
       <p:sp>
         <p:nvSpPr>
           <p:cNvPr id="2" name="Titel 1">
@@ -4012,43 +4085,239 @@
             <p:ph type="title"/>
           </p:nvPr>
         </p:nvSpPr>
-        <p:spPr/>
-        <p:txBody>
-          <a:bodyPr/>
+        <p:spPr>
+          <a:xfrm>
+            <a:off x="8471424" y="1110882"/>
+            <a:ext cx="3053039" cy="1060817"/>
+          </a:xfrm>
+        </p:spPr>
+        <p:txBody>
+          <a:bodyPr anchor="b">
+            <a:normAutofit/>
+          </a:bodyPr>
           <a:lstStyle/>
           <a:p>
             <a:r>
-              <a:rPr lang="de-AT" dirty="0"/>
+              <a:rPr lang="de-AT" sz="2800" dirty="0"/>
               <a:t>Projektstand</a:t>
             </a:r>
-          </a:p>
-        </p:txBody>
-      </p:sp>
-      <p:sp>
-        <p:nvSpPr>
-          <p:cNvPr id="3" name="Inhaltsplatzhalter 2">
+            <a:br>
+              <a:rPr lang="de-AT" sz="2800" dirty="0"/>
+            </a:br>
+            <a:r>
+              <a:rPr lang="de-AT" sz="2800" dirty="0"/>
+              <a:t>+ </a:t>
+            </a:r>
+            <a:r>
+              <a:rPr lang="de-AT" sz="2800" dirty="0" err="1"/>
+              <a:t>Livedemo</a:t>
+            </a:r>
+            <a:endParaRPr lang="de-AT" sz="2800" dirty="0"/>
+          </a:p>
+        </p:txBody>
+      </p:sp>
+      <p:pic>
+        <p:nvPicPr>
+          <p:cNvPr id="1026" name="Picture 2">
             <a:extLst>
               <a:ext uri="{FF2B5EF4-FFF2-40B4-BE49-F238E27FC236}">
-                <a16:creationId xmlns:a16="http://schemas.microsoft.com/office/drawing/2014/main" id="{196D673C-3318-7B92-37E9-6A957694D798}"/>
+                <a16:creationId xmlns:a16="http://schemas.microsoft.com/office/drawing/2014/main" id="{97E6E4B2-556E-4F99-E530-AEA94201DEF4}"/>
               </a:ext>
             </a:extLst>
           </p:cNvPr>
-          <p:cNvSpPr>
-            <a:spLocks noGrp="1"/>
-          </p:cNvSpPr>
+          <p:cNvPicPr>
+            <a:picLocks noChangeAspect="1" noChangeArrowheads="1"/>
+          </p:cNvPicPr>
+          <p:nvPr/>
+        </p:nvPicPr>
+        <p:blipFill>
+          <a:blip r:embed="rId2">
+            <a:extLst>
+              <a:ext uri="{28A0092B-C50C-407E-A947-70E740481C1C}">
+                <a14:useLocalDpi xmlns:a14="http://schemas.microsoft.com/office/drawing/2010/main" val="0"/>
+              </a:ext>
+            </a:extLst>
+          </a:blip>
+          <a:stretch>
+            <a:fillRect/>
+          </a:stretch>
+        </p:blipFill>
+        <p:spPr bwMode="auto">
+          <a:xfrm>
+            <a:off x="1077543" y="640080"/>
+            <a:ext cx="6013844" cy="5577840"/>
+          </a:xfrm>
+          <a:prstGeom prst="rect">
+            <a:avLst/>
+          </a:prstGeom>
+          <a:noFill/>
+          <a:extLst>
+            <a:ext uri="{909E8E84-426E-40DD-AFC4-6F175D3DCCD1}">
+              <a14:hiddenFill xmlns:a14="http://schemas.microsoft.com/office/drawing/2010/main">
+                <a:solidFill>
+                  <a:srgbClr val="FFFFFF"/>
+                </a:solidFill>
+              </a14:hiddenFill>
+            </a:ext>
+          </a:extLst>
+        </p:spPr>
+      </p:pic>
+      <p:sp>
+        <p:nvSpPr>
+          <p:cNvPr id="1033" name="Freeform 6">
+            <a:extLst>
+              <a:ext uri="{FF2B5EF4-FFF2-40B4-BE49-F238E27FC236}">
+                <a16:creationId xmlns:a16="http://schemas.microsoft.com/office/drawing/2014/main" id="{CC1026F7-DECB-49B4-A565-518BBA445471}"/>
+              </a:ext>
+              <a:ext uri="{C183D7F6-B498-43B3-948B-1728B52AA6E4}">
+                <adec:decorative xmlns:adec="http://schemas.microsoft.com/office/drawing/2017/decorative" val="1"/>
+              </a:ext>
+            </a:extLst>
+          </p:cNvPr>
+          <p:cNvSpPr>
+            <a:spLocks noGrp="1" noRot="1" noChangeAspect="1" noMove="1" noResize="1" noEditPoints="1" noAdjustHandles="1" noChangeArrowheads="1" noChangeShapeType="1" noTextEdit="1"/>
+          </p:cNvSpPr>
+          <p:nvPr>
+            <p:extLst>
+              <p:ext uri="{386F3935-93C4-4BCD-93E2-E3B085C9AB24}">
+                <p16:designElem xmlns:p16="http://schemas.microsoft.com/office/powerpoint/2015/main" val="1"/>
+              </p:ext>
+            </p:extLst>
+          </p:nvPr>
+        </p:nvSpPr>
+        <p:spPr bwMode="auto">
+          <a:xfrm flipH="1" flipV="1">
+            <a:off x="7983434" y="640080"/>
+            <a:ext cx="2296028" cy="3674981"/>
+          </a:xfrm>
+          <a:custGeom>
+            <a:avLst/>
+            <a:gdLst/>
+            <a:ahLst/>
+            <a:cxnLst/>
+            <a:rect l="l" t="t" r="r" b="b"/>
+            <a:pathLst>
+              <a:path w="10002" h="10000">
+                <a:moveTo>
+                  <a:pt x="8763" y="0"/>
+                </a:moveTo>
+                <a:lnTo>
+                  <a:pt x="10002" y="0"/>
+                </a:lnTo>
+                <a:lnTo>
+                  <a:pt x="10002" y="10000"/>
+                </a:lnTo>
+                <a:lnTo>
+                  <a:pt x="2" y="10000"/>
+                </a:lnTo>
+                <a:cubicBezTo>
+                  <a:pt x="-2" y="9698"/>
+                  <a:pt x="4" y="9427"/>
+                  <a:pt x="0" y="9125"/>
+                </a:cubicBezTo>
+                <a:lnTo>
+                  <a:pt x="8763" y="9128"/>
+                </a:lnTo>
+                <a:lnTo>
+                  <a:pt x="8763" y="0"/>
+                </a:lnTo>
+                <a:close/>
+              </a:path>
+            </a:pathLst>
+          </a:custGeom>
+          <a:solidFill>
+            <a:schemeClr val="tx2"/>
+          </a:solidFill>
+          <a:ln w="0">
+            <a:noFill/>
+            <a:prstDash val="solid"/>
+            <a:round/>
+            <a:headEnd/>
+            <a:tailEnd/>
+          </a:ln>
+        </p:spPr>
+        <p:txBody>
+          <a:bodyPr/>
+          <a:lstStyle/>
+          <a:p>
+            <a:endParaRPr lang="de-AT"/>
+          </a:p>
+        </p:txBody>
+      </p:sp>
+      <p:pic>
+        <p:nvPicPr>
+          <p:cNvPr id="6" name="Picture 8">
+            <a:extLst>
+              <a:ext uri="{FF2B5EF4-FFF2-40B4-BE49-F238E27FC236}">
+                <a16:creationId xmlns:a16="http://schemas.microsoft.com/office/drawing/2014/main" id="{4B16DAF9-ADE6-0D3B-0DC4-D41F1694C9F3}"/>
+              </a:ext>
+            </a:extLst>
+          </p:cNvPr>
+          <p:cNvPicPr>
+            <a:picLocks noGrp="1" noChangeAspect="1" noChangeArrowheads="1"/>
+          </p:cNvPicPr>
           <p:nvPr>
             <p:ph idx="1"/>
           </p:nvPr>
-        </p:nvSpPr>
-        <p:spPr/>
-        <p:txBody>
-          <a:bodyPr/>
-          <a:lstStyle/>
-          <a:p>
-            <a:endParaRPr lang="de-AT"/>
-          </a:p>
-        </p:txBody>
-      </p:sp>
+        </p:nvPicPr>
+        <p:blipFill>
+          <a:blip r:embed="rId3">
+            <a:extLst>
+              <a:ext uri="{BEBA8EAE-BF5A-486C-A8C5-ECC9F3942E4B}">
+                <a14:imgProps xmlns:a14="http://schemas.microsoft.com/office/drawing/2010/main">
+                  <a14:imgLayer r:embed="rId4">
+                    <a14:imgEffect>
+                      <a14:backgroundRemoval t="6868" b="96985" l="5593" r="94940">
+                        <a14:foregroundMark x1="10519" y1="20938" x2="8921" y2="7035"/>
+                        <a14:foregroundMark x1="5593" y1="9548" x2="5593" y2="13065"/>
+                        <a14:foregroundMark x1="21571" y1="85762" x2="36485" y2="79397"/>
+                        <a14:foregroundMark x1="36485" y1="79397" x2="41012" y2="71692"/>
+                        <a14:foregroundMark x1="21305" y1="87270" x2="26099" y2="95980"/>
+                        <a14:foregroundMark x1="90546" y1="44724" x2="93742" y2="66499"/>
+                        <a14:foregroundMark x1="85087" y1="56616" x2="92277" y2="64489"/>
+                        <a14:foregroundMark x1="71238" y1="11725" x2="71904" y2="8040"/>
+                        <a14:foregroundMark x1="92810" y1="72194" x2="94541" y2="70352"/>
+                        <a14:foregroundMark x1="23968" y1="94975" x2="27297" y2="96985"/>
+                        <a14:foregroundMark x1="90812" y1="69682" x2="93742" y2="69012"/>
+                        <a14:foregroundMark x1="93875" y1="64824" x2="90945" y2="65662"/>
+                        <a14:foregroundMark x1="92410" y1="70519" x2="92676" y2="61139"/>
+                        <a14:foregroundMark x1="94141" y1="69347" x2="94141" y2="59296"/>
+                        <a14:foregroundMark x1="94940" y1="70352" x2="94674" y2="59464"/>
+                      </a14:backgroundRemoval>
+                    </a14:imgEffect>
+                  </a14:imgLayer>
+                </a14:imgProps>
+              </a:ext>
+              <a:ext uri="{28A0092B-C50C-407E-A947-70E740481C1C}">
+                <a14:useLocalDpi xmlns:a14="http://schemas.microsoft.com/office/drawing/2010/main" val="0"/>
+              </a:ext>
+            </a:extLst>
+          </a:blip>
+          <a:srcRect/>
+          <a:stretch>
+            <a:fillRect/>
+          </a:stretch>
+        </p:blipFill>
+        <p:spPr bwMode="auto">
+          <a:xfrm>
+            <a:off x="8470113" y="2258277"/>
+            <a:ext cx="3054350" cy="2428025"/>
+          </a:xfrm>
+          <a:prstGeom prst="rect">
+            <a:avLst/>
+          </a:prstGeom>
+          <a:noFill/>
+          <a:extLst>
+            <a:ext uri="{909E8E84-426E-40DD-AFC4-6F175D3DCCD1}">
+              <a14:hiddenFill xmlns:a14="http://schemas.microsoft.com/office/drawing/2010/main">
+                <a:solidFill>
+                  <a:srgbClr val="FFFFFF"/>
+                </a:solidFill>
+              </a14:hiddenFill>
+            </a:ext>
+          </a:extLst>
+        </p:spPr>
+      </p:pic>
     </p:spTree>
     <p:extLst>
       <p:ext uri="{BB962C8B-B14F-4D97-AF65-F5344CB8AC3E}">
@@ -4057,7 +4326,7 @@
     </p:extLst>
   </p:cSld>
   <p:clrMapOvr>
-    <a:masterClrMapping/>
+    <a:overrideClrMapping bg1="dk1" tx1="lt1" bg2="dk2" tx2="lt2" accent1="accent1" accent2="accent2" accent3="accent3" accent4="accent4" accent5="accent5" accent6="accent6" hlink="hlink" folHlink="folHlink"/>
   </p:clrMapOvr>
   <p:transition spd="slow">
     <p:push dir="u"/>
@@ -4068,6 +4337,14 @@
 <file path=ppt/slides/slide4.xml><?xml version="1.0" encoding="utf-8"?>
 <p:sld xmlns:a="http://schemas.openxmlformats.org/drawingml/2006/main" xmlns:r="http://schemas.openxmlformats.org/officeDocument/2006/relationships" xmlns:p="http://schemas.openxmlformats.org/presentationml/2006/main">
   <p:cSld>
+    <p:bg>
+      <p:bgPr>
+        <a:solidFill>
+          <a:schemeClr val="bg2"/>
+        </a:solidFill>
+        <a:effectLst/>
+      </p:bgPr>
+    </p:bg>
     <p:spTree>
       <p:nvGrpSpPr>
         <p:cNvPr id="1" name=""/>
@@ -4082,6 +4359,338 @@
           <a:chExt cx="0" cy="0"/>
         </a:xfrm>
       </p:grpSpPr>
+      <p:grpSp>
+        <p:nvGrpSpPr>
+          <p:cNvPr id="10" name="Group 9">
+            <a:extLst>
+              <a:ext uri="{FF2B5EF4-FFF2-40B4-BE49-F238E27FC236}">
+                <a16:creationId xmlns:a16="http://schemas.microsoft.com/office/drawing/2014/main" id="{9D9D6BF1-DFF2-4526-9D13-BF339D8C4163}"/>
+              </a:ext>
+              <a:ext uri="{C183D7F6-B498-43B3-948B-1728B52AA6E4}">
+                <adec:decorative xmlns:adec="http://schemas.microsoft.com/office/drawing/2017/decorative" val="1"/>
+              </a:ext>
+            </a:extLst>
+          </p:cNvPr>
+          <p:cNvGrpSpPr>
+            <a:grpSpLocks noGrp="1" noUngrp="1" noRot="1" noChangeAspect="1" noMove="1" noResize="1"/>
+          </p:cNvGrpSpPr>
+          <p:nvPr>
+            <p:extLst>
+              <p:ext uri="{386F3935-93C4-4BCD-93E2-E3B085C9AB24}">
+                <p16:designElem xmlns:p16="http://schemas.microsoft.com/office/powerpoint/2015/main" val="1"/>
+              </p:ext>
+            </p:extLst>
+          </p:nvPr>
+        </p:nvGrpSpPr>
+        <p:grpSpPr>
+          <a:xfrm>
+            <a:off x="752858" y="744469"/>
+            <a:ext cx="10674117" cy="5349671"/>
+            <a:chOff x="752858" y="744469"/>
+            <a:chExt cx="10674117" cy="5349671"/>
+          </a:xfrm>
+        </p:grpSpPr>
+        <p:sp>
+          <p:nvSpPr>
+            <p:cNvPr id="11" name="Freeform 6">
+              <a:extLst>
+                <a:ext uri="{FF2B5EF4-FFF2-40B4-BE49-F238E27FC236}">
+                  <a16:creationId xmlns:a16="http://schemas.microsoft.com/office/drawing/2014/main" id="{A54D4DB6-FB18-4CAE-8905-E0053C92569E}"/>
+                </a:ext>
+                <a:ext uri="{C183D7F6-B498-43B3-948B-1728B52AA6E4}">
+                  <adec:decorative xmlns:adec="http://schemas.microsoft.com/office/drawing/2017/decorative" val="1"/>
+                </a:ext>
+              </a:extLst>
+            </p:cNvPr>
+            <p:cNvSpPr/>
+            <p:nvPr>
+              <p:extLst>
+                <p:ext uri="{386F3935-93C4-4BCD-93E2-E3B085C9AB24}">
+                  <p16:designElem xmlns:p16="http://schemas.microsoft.com/office/powerpoint/2015/main" val="1"/>
+                </p:ext>
+              </p:extLst>
+            </p:nvPr>
+          </p:nvSpPr>
+          <p:spPr bwMode="auto">
+            <a:xfrm>
+              <a:off x="8151962" y="1685652"/>
+              <a:ext cx="3275013" cy="4408488"/>
+            </a:xfrm>
+            <a:custGeom>
+              <a:avLst/>
+              <a:gdLst/>
+              <a:ahLst/>
+              <a:cxnLst/>
+              <a:rect l="l" t="t" r="r" b="b"/>
+              <a:pathLst>
+                <a:path w="10000" h="10000">
+                  <a:moveTo>
+                    <a:pt x="8761" y="0"/>
+                  </a:moveTo>
+                  <a:lnTo>
+                    <a:pt x="10000" y="0"/>
+                  </a:lnTo>
+                  <a:lnTo>
+                    <a:pt x="10000" y="10000"/>
+                  </a:lnTo>
+                  <a:lnTo>
+                    <a:pt x="0" y="10000"/>
+                  </a:lnTo>
+                  <a:lnTo>
+                    <a:pt x="0" y="9126"/>
+                  </a:lnTo>
+                  <a:lnTo>
+                    <a:pt x="8761" y="9127"/>
+                  </a:lnTo>
+                  <a:lnTo>
+                    <a:pt x="8761" y="0"/>
+                  </a:lnTo>
+                  <a:close/>
+                </a:path>
+              </a:pathLst>
+            </a:custGeom>
+            <a:solidFill>
+              <a:schemeClr val="tx2"/>
+            </a:solidFill>
+            <a:ln w="0">
+              <a:noFill/>
+              <a:prstDash val="solid"/>
+              <a:round/>
+              <a:headEnd/>
+              <a:tailEnd/>
+            </a:ln>
+          </p:spPr>
+          <p:txBody>
+            <a:bodyPr/>
+            <a:lstStyle/>
+            <a:p>
+              <a:endParaRPr lang="de-AT"/>
+            </a:p>
+          </p:txBody>
+        </p:sp>
+        <p:sp>
+          <p:nvSpPr>
+            <p:cNvPr id="12" name="Freeform 6">
+              <a:extLst>
+                <a:ext uri="{FF2B5EF4-FFF2-40B4-BE49-F238E27FC236}">
+                  <a16:creationId xmlns:a16="http://schemas.microsoft.com/office/drawing/2014/main" id="{1DBD6488-9429-4FFA-8AE8-C4022C39B0F2}"/>
+                </a:ext>
+                <a:ext uri="{C183D7F6-B498-43B3-948B-1728B52AA6E4}">
+                  <adec:decorative xmlns:adec="http://schemas.microsoft.com/office/drawing/2017/decorative" val="1"/>
+                </a:ext>
+              </a:extLst>
+            </p:cNvPr>
+            <p:cNvSpPr/>
+            <p:nvPr>
+              <p:extLst>
+                <p:ext uri="{386F3935-93C4-4BCD-93E2-E3B085C9AB24}">
+                  <p16:designElem xmlns:p16="http://schemas.microsoft.com/office/powerpoint/2015/main" val="1"/>
+                </p:ext>
+              </p:extLst>
+            </p:nvPr>
+          </p:nvSpPr>
+          <p:spPr bwMode="auto">
+            <a:xfrm flipH="1" flipV="1">
+              <a:off x="752858" y="744469"/>
+              <a:ext cx="3275668" cy="4408488"/>
+            </a:xfrm>
+            <a:custGeom>
+              <a:avLst/>
+              <a:gdLst/>
+              <a:ahLst/>
+              <a:cxnLst/>
+              <a:rect l="l" t="t" r="r" b="b"/>
+              <a:pathLst>
+                <a:path w="10002" h="10000">
+                  <a:moveTo>
+                    <a:pt x="8763" y="0"/>
+                  </a:moveTo>
+                  <a:lnTo>
+                    <a:pt x="10002" y="0"/>
+                  </a:lnTo>
+                  <a:lnTo>
+                    <a:pt x="10002" y="10000"/>
+                  </a:lnTo>
+                  <a:lnTo>
+                    <a:pt x="2" y="10000"/>
+                  </a:lnTo>
+                  <a:cubicBezTo>
+                    <a:pt x="-2" y="9698"/>
+                    <a:pt x="4" y="9427"/>
+                    <a:pt x="0" y="9125"/>
+                  </a:cubicBezTo>
+                  <a:lnTo>
+                    <a:pt x="8763" y="9128"/>
+                  </a:lnTo>
+                  <a:lnTo>
+                    <a:pt x="8763" y="0"/>
+                  </a:lnTo>
+                  <a:close/>
+                </a:path>
+              </a:pathLst>
+            </a:custGeom>
+            <a:solidFill>
+              <a:schemeClr val="tx2"/>
+            </a:solidFill>
+            <a:ln w="0">
+              <a:noFill/>
+              <a:prstDash val="solid"/>
+              <a:round/>
+              <a:headEnd/>
+              <a:tailEnd/>
+            </a:ln>
+          </p:spPr>
+          <p:txBody>
+            <a:bodyPr/>
+            <a:lstStyle/>
+            <a:p>
+              <a:endParaRPr lang="de-AT"/>
+            </a:p>
+          </p:txBody>
+        </p:sp>
+      </p:grpSp>
+      <p:sp useBgFill="1">
+        <p:nvSpPr>
+          <p:cNvPr id="14" name="Rectangle 13">
+            <a:extLst>
+              <a:ext uri="{FF2B5EF4-FFF2-40B4-BE49-F238E27FC236}">
+                <a16:creationId xmlns:a16="http://schemas.microsoft.com/office/drawing/2014/main" id="{A77A6167-FCC5-49E8-B280-CECAF151ED9F}"/>
+              </a:ext>
+              <a:ext uri="{C183D7F6-B498-43B3-948B-1728B52AA6E4}">
+                <adec:decorative xmlns:adec="http://schemas.microsoft.com/office/drawing/2017/decorative" val="1"/>
+              </a:ext>
+            </a:extLst>
+          </p:cNvPr>
+          <p:cNvSpPr>
+            <a:spLocks noGrp="1" noRot="1" noChangeAspect="1" noMove="1" noResize="1" noEditPoints="1" noAdjustHandles="1" noChangeArrowheads="1" noChangeShapeType="1" noTextEdit="1"/>
+          </p:cNvSpPr>
+          <p:nvPr>
+            <p:extLst>
+              <p:ext uri="{386F3935-93C4-4BCD-93E2-E3B085C9AB24}">
+                <p16:designElem xmlns:p16="http://schemas.microsoft.com/office/powerpoint/2015/main" val="1"/>
+              </p:ext>
+            </p:extLst>
+          </p:nvPr>
+        </p:nvSpPr>
+        <p:spPr bwMode="grayWhite">
+          <a:xfrm>
+            <a:off x="0" y="0"/>
+            <a:ext cx="12192000" cy="6858000"/>
+          </a:xfrm>
+          <a:prstGeom prst="rect">
+            <a:avLst/>
+          </a:prstGeom>
+          <a:ln>
+            <a:noFill/>
+          </a:ln>
+        </p:spPr>
+        <p:style>
+          <a:lnRef idx="2">
+            <a:schemeClr val="accent1">
+              <a:shade val="50000"/>
+            </a:schemeClr>
+          </a:lnRef>
+          <a:fillRef idx="1">
+            <a:schemeClr val="accent1"/>
+          </a:fillRef>
+          <a:effectRef idx="0">
+            <a:schemeClr val="accent1"/>
+          </a:effectRef>
+          <a:fontRef idx="minor">
+            <a:schemeClr val="lt1"/>
+          </a:fontRef>
+        </p:style>
+        <p:txBody>
+          <a:bodyPr rtlCol="0" anchor="ctr"/>
+          <a:lstStyle/>
+          <a:p>
+            <a:pPr algn="ctr"/>
+            <a:endParaRPr lang="en-US"/>
+          </a:p>
+        </p:txBody>
+      </p:sp>
+      <p:sp>
+        <p:nvSpPr>
+          <p:cNvPr id="16" name="Freeform 6">
+            <a:extLst>
+              <a:ext uri="{FF2B5EF4-FFF2-40B4-BE49-F238E27FC236}">
+                <a16:creationId xmlns:a16="http://schemas.microsoft.com/office/drawing/2014/main" id="{F84046EA-4273-437E-9DE5-5AEE713C35E2}"/>
+              </a:ext>
+              <a:ext uri="{C183D7F6-B498-43B3-948B-1728B52AA6E4}">
+                <adec:decorative xmlns:adec="http://schemas.microsoft.com/office/drawing/2017/decorative" val="1"/>
+              </a:ext>
+            </a:extLst>
+          </p:cNvPr>
+          <p:cNvSpPr>
+            <a:spLocks noGrp="1" noRot="1" noChangeAspect="1" noMove="1" noResize="1" noEditPoints="1" noAdjustHandles="1" noChangeArrowheads="1" noChangeShapeType="1" noTextEdit="1"/>
+          </p:cNvSpPr>
+          <p:nvPr>
+            <p:extLst>
+              <p:ext uri="{386F3935-93C4-4BCD-93E2-E3B085C9AB24}">
+                <p16:designElem xmlns:p16="http://schemas.microsoft.com/office/powerpoint/2015/main" val="1"/>
+              </p:ext>
+            </p:extLst>
+          </p:nvPr>
+        </p:nvSpPr>
+        <p:spPr bwMode="auto">
+          <a:xfrm flipH="1" flipV="1">
+            <a:off x="752858" y="744469"/>
+            <a:ext cx="3275668" cy="4408488"/>
+          </a:xfrm>
+          <a:custGeom>
+            <a:avLst/>
+            <a:gdLst/>
+            <a:ahLst/>
+            <a:cxnLst/>
+            <a:rect l="l" t="t" r="r" b="b"/>
+            <a:pathLst>
+              <a:path w="10002" h="10000">
+                <a:moveTo>
+                  <a:pt x="8763" y="0"/>
+                </a:moveTo>
+                <a:lnTo>
+                  <a:pt x="10002" y="0"/>
+                </a:lnTo>
+                <a:lnTo>
+                  <a:pt x="10002" y="10000"/>
+                </a:lnTo>
+                <a:lnTo>
+                  <a:pt x="2" y="10000"/>
+                </a:lnTo>
+                <a:cubicBezTo>
+                  <a:pt x="-2" y="9698"/>
+                  <a:pt x="4" y="9427"/>
+                  <a:pt x="0" y="9125"/>
+                </a:cubicBezTo>
+                <a:lnTo>
+                  <a:pt x="8763" y="9128"/>
+                </a:lnTo>
+                <a:lnTo>
+                  <a:pt x="8763" y="0"/>
+                </a:lnTo>
+                <a:close/>
+              </a:path>
+            </a:pathLst>
+          </a:custGeom>
+          <a:solidFill>
+            <a:schemeClr val="tx2"/>
+          </a:solidFill>
+          <a:ln w="0">
+            <a:noFill/>
+            <a:prstDash val="solid"/>
+            <a:round/>
+            <a:headEnd/>
+            <a:tailEnd/>
+          </a:ln>
+        </p:spPr>
+        <p:txBody>
+          <a:bodyPr/>
+          <a:lstStyle/>
+          <a:p>
+            <a:endParaRPr lang="de-AT"/>
+          </a:p>
+        </p:txBody>
+      </p:sp>
       <p:sp>
         <p:nvSpPr>
           <p:cNvPr id="2" name="Titel 1">
@@ -4098,44 +4707,56 @@
             <p:ph type="title"/>
           </p:nvPr>
         </p:nvSpPr>
-        <p:spPr/>
-        <p:txBody>
-          <a:bodyPr/>
+        <p:spPr>
+          <a:xfrm>
+            <a:off x="1478522" y="1480930"/>
+            <a:ext cx="5301138" cy="3254321"/>
+          </a:xfrm>
+        </p:spPr>
+        <p:txBody>
+          <a:bodyPr vert="horz" lIns="91440" tIns="45720" rIns="91440" bIns="45720" rtlCol="0" anchor="b">
+            <a:normAutofit/>
+          </a:bodyPr>
           <a:lstStyle/>
           <a:p>
             <a:r>
-              <a:rPr lang="de-AT" dirty="0" err="1"/>
+              <a:rPr lang="en-US" sz="6600" cap="all"/>
               <a:t>Github-History</a:t>
             </a:r>
-            <a:endParaRPr lang="de-AT" dirty="0"/>
-          </a:p>
-        </p:txBody>
-      </p:sp>
-      <p:sp>
-        <p:nvSpPr>
-          <p:cNvPr id="3" name="Inhaltsplatzhalter 2">
+          </a:p>
+        </p:txBody>
+      </p:sp>
+      <p:pic>
+        <p:nvPicPr>
+          <p:cNvPr id="5" name="Inhaltsplatzhalter 4">
             <a:extLst>
               <a:ext uri="{FF2B5EF4-FFF2-40B4-BE49-F238E27FC236}">
-                <a16:creationId xmlns:a16="http://schemas.microsoft.com/office/drawing/2014/main" id="{A6E92E70-2E0F-397D-6078-549EEBA8BD94}"/>
+                <a16:creationId xmlns:a16="http://schemas.microsoft.com/office/drawing/2014/main" id="{761E4B56-4493-A26F-7DA4-23DC0F9F5405}"/>
               </a:ext>
             </a:extLst>
           </p:cNvPr>
-          <p:cNvSpPr>
-            <a:spLocks noGrp="1"/>
-          </p:cNvSpPr>
+          <p:cNvPicPr>
+            <a:picLocks noGrp="1" noChangeAspect="1"/>
+          </p:cNvPicPr>
           <p:nvPr>
             <p:ph idx="1"/>
           </p:nvPr>
-        </p:nvSpPr>
-        <p:spPr/>
-        <p:txBody>
-          <a:bodyPr/>
-          <a:lstStyle/>
-          <a:p>
-            <a:endParaRPr lang="de-AT"/>
-          </a:p>
-        </p:txBody>
-      </p:sp>
+        </p:nvPicPr>
+        <p:blipFill>
+          <a:blip r:embed="rId2"/>
+          <a:srcRect t="7824" r="-1" b="-1"/>
+          <a:stretch/>
+        </p:blipFill>
+        <p:spPr>
+          <a:xfrm>
+            <a:off x="7225748" y="10"/>
+            <a:ext cx="4966252" cy="6857990"/>
+          </a:xfrm>
+          <a:prstGeom prst="rect">
+            <a:avLst/>
+          </a:prstGeom>
+        </p:spPr>
+      </p:pic>
     </p:spTree>
     <p:extLst>
       <p:ext uri="{BB962C8B-B14F-4D97-AF65-F5344CB8AC3E}">
@@ -4144,7 +4765,7 @@
     </p:extLst>
   </p:cSld>
   <p:clrMapOvr>
-    <a:masterClrMapping/>
+    <a:overrideClrMapping bg1="dk1" tx1="lt1" bg2="dk2" tx2="lt2" accent1="accent1" accent2="accent2" accent3="accent3" accent4="accent4" accent5="accent5" accent6="accent6" hlink="hlink" folHlink="folHlink"/>
   </p:clrMapOvr>
   <p:transition spd="slow">
     <p:push dir="u"/>
@@ -4218,7 +4839,37 @@
           <a:bodyPr/>
           <a:lstStyle/>
           <a:p>
-            <a:endParaRPr lang="de-AT"/>
+            <a:r>
+              <a:rPr lang="de-AT" dirty="0" err="1"/>
+              <a:t>Picksel</a:t>
+            </a:r>
+            <a:r>
+              <a:rPr lang="de-AT" dirty="0"/>
+              <a:t> Designs </a:t>
+            </a:r>
+            <a:r>
+              <a:rPr lang="de-AT" dirty="0" err="1"/>
+              <a:t>ferstigstellen</a:t>
+            </a:r>
+            <a:endParaRPr lang="de-AT" dirty="0"/>
+          </a:p>
+          <a:p>
+            <a:r>
+              <a:rPr lang="de-AT" dirty="0"/>
+              <a:t>Game komplett überarbeiten</a:t>
+            </a:r>
+          </a:p>
+          <a:p>
+            <a:r>
+              <a:rPr lang="de-AT" dirty="0"/>
+              <a:t>Datenbank Ausarbeitung</a:t>
+            </a:r>
+          </a:p>
+          <a:p>
+            <a:r>
+              <a:rPr lang="de-AT" dirty="0"/>
+              <a:t>Komplettes Design</a:t>
+            </a:r>
           </a:p>
         </p:txBody>
       </p:sp>
